--- a/8 Etapa de adecuacion.pptx
+++ b/8 Etapa de adecuacion.pptx
@@ -6568,7 +6568,6 @@
               <a:rPr lang="es-MX" sz="2800" dirty="0" smtClean="0"/>
               <a:t>Auditoria en Informática</a:t>
             </a:r>
-            <a:endParaRPr lang="es-MX" sz="2800" dirty="0" smtClean="0"/>
           </a:p>
           <a:p>
             <a:endParaRPr lang="es-MX" dirty="0" smtClean="0"/>
@@ -6596,7 +6595,6 @@
               <a:rPr lang="es-MX" sz="2800" dirty="0" smtClean="0"/>
               <a:t>Luis Carlos Santillán Hernández</a:t>
             </a:r>
-            <a:endParaRPr lang="es-MX" sz="2800" dirty="0" smtClean="0"/>
           </a:p>
           <a:p>
             <a:endParaRPr lang="es-MX" dirty="0"/>
@@ -6617,11 +6615,7 @@
             <a:pPr lvl="6"/>
             <a:r>
               <a:rPr lang="es-MX" sz="2800" dirty="0" smtClean="0"/>
-              <a:t>Leonardo </a:t>
-            </a:r>
-            <a:r>
-              <a:rPr lang="es-MX" sz="2800" dirty="0" smtClean="0"/>
-              <a:t>Javier Lizárraga Quintero</a:t>
+              <a:t>Leonardo Javier Lizárraga Quintero</a:t>
             </a:r>
             <a:endParaRPr lang="es-MX" sz="2800" dirty="0"/>
           </a:p>
@@ -6860,7 +6854,7 @@
         <p:spPr>
           <a:xfrm>
             <a:off x="0" y="0"/>
-            <a:ext cx="9144000" cy="5047536"/>
+            <a:ext cx="9144000" cy="5786199"/>
           </a:xfrm>
           <a:prstGeom prst="rect">
             <a:avLst/>
@@ -6877,9 +6871,25 @@
           </a:p>
           <a:p>
             <a:pPr fontAlgn="base"/>
+            <a:endParaRPr lang="es-ES" sz="1600" dirty="0" smtClean="0"/>
+          </a:p>
+          <a:p>
+            <a:pPr fontAlgn="base"/>
+            <a:endParaRPr lang="es-ES" sz="1600" dirty="0"/>
+          </a:p>
+          <a:p>
+            <a:pPr fontAlgn="base"/>
+            <a:endParaRPr lang="es-ES" sz="1600" smtClean="0"/>
+          </a:p>
+          <a:p>
+            <a:pPr fontAlgn="base"/>
+            <a:r>
+              <a:rPr lang="es-ES" sz="1600" smtClean="0"/>
+              <a:t>Ahora </a:t>
+            </a:r>
             <a:r>
               <a:rPr lang="es-ES" sz="1600" dirty="0"/>
-              <a:t>Ahora bien, a nivel general, una práctica interesante en los proyectos de desarrollo contratados con empresas es que el trabajo sea revisado o auditado por una tercera empresa, garantizando así que los requerimientos del cliente a la final tengan una mayor probabilidad de éxito acierto en su proyecto.</a:t>
+              <a:t>bien, a nivel general, una práctica interesante en los proyectos de desarrollo contratados con empresas es que el trabajo sea revisado o auditado por una tercera empresa, garantizando así que los requerimientos del cliente a la final tengan una mayor probabilidad de éxito acierto en su proyecto.</a:t>
             </a:r>
           </a:p>
           <a:p>

--- a/8 Etapa de adecuacion.pptx
+++ b/8 Etapa de adecuacion.pptx
@@ -120,7 +120,7 @@
   </p:defaultTextStyle>
   <p:extLst>
     <p:ext uri="{EFAFB233-063F-42B5-8137-9DF3F51BA10A}">
-      <p15:sldGuideLst xmlns:p15="http://schemas.microsoft.com/office/powerpoint/2012/main"/>
+      <p15:sldGuideLst xmlns:p15="http://schemas.microsoft.com/office/powerpoint/2012/main" xmlns=""/>
     </p:ext>
   </p:extLst>
 </p:presentation>
@@ -208,7 +208,7 @@
           <a:p>
             <a:fld id="{DC32415F-76CD-4446-9390-78FB5A2B62E5}" type="datetimeFigureOut">
               <a:rPr lang="en-US" smtClean="0"/>
-              <a:t>5/27/2015</a:t>
+              <a:t>6/1/2015</a:t>
             </a:fld>
             <a:endParaRPr lang="en-US"/>
           </a:p>
@@ -373,7 +373,7 @@
           <a:p>
             <a:fld id="{2ACDE579-6D78-4C2C-A0AE-3CE3A094C063}" type="datetimeFigureOut">
               <a:rPr lang="en-US" smtClean="0"/>
-              <a:t>5/27/2015</a:t>
+              <a:t>6/1/2015</a:t>
             </a:fld>
             <a:endParaRPr lang="en-US"/>
           </a:p>
@@ -943,7 +943,7 @@
           <a:p>
             <a:fld id="{621C5687-5E4B-421A-84A9-2CCA39108A9F}" type="datetimeFigureOut">
               <a:rPr lang="en-US" smtClean="0"/>
-              <a:t>5/27/2015</a:t>
+              <a:t>6/1/2015</a:t>
             </a:fld>
             <a:endParaRPr lang="en-US"/>
           </a:p>
@@ -1234,7 +1234,7 @@
           <a:p>
             <a:fld id="{621C5687-5E4B-421A-84A9-2CCA39108A9F}" type="datetimeFigureOut">
               <a:rPr lang="en-US" smtClean="0"/>
-              <a:t>5/27/2015</a:t>
+              <a:t>6/1/2015</a:t>
             </a:fld>
             <a:endParaRPr lang="en-US"/>
           </a:p>
@@ -1498,7 +1498,7 @@
           <a:p>
             <a:fld id="{621C5687-5E4B-421A-84A9-2CCA39108A9F}" type="datetimeFigureOut">
               <a:rPr lang="en-US" smtClean="0"/>
-              <a:t>5/27/2015</a:t>
+              <a:t>6/1/2015</a:t>
             </a:fld>
             <a:endParaRPr lang="en-US"/>
           </a:p>
@@ -2058,7 +2058,7 @@
           <a:p>
             <a:fld id="{621C5687-5E4B-421A-84A9-2CCA39108A9F}" type="datetimeFigureOut">
               <a:rPr lang="en-US" smtClean="0"/>
-              <a:t>5/27/2015</a:t>
+              <a:t>6/1/2015</a:t>
             </a:fld>
             <a:endParaRPr lang="en-US"/>
           </a:p>
@@ -2317,7 +2317,7 @@
           <a:p>
             <a:fld id="{621C5687-5E4B-421A-84A9-2CCA39108A9F}" type="datetimeFigureOut">
               <a:rPr lang="en-US" smtClean="0"/>
-              <a:t>5/27/2015</a:t>
+              <a:t>6/1/2015</a:t>
             </a:fld>
             <a:endParaRPr lang="en-US"/>
           </a:p>
@@ -2893,7 +2893,7 @@
           <a:p>
             <a:fld id="{621C5687-5E4B-421A-84A9-2CCA39108A9F}" type="datetimeFigureOut">
               <a:rPr lang="en-US" smtClean="0"/>
-              <a:t>5/27/2015</a:t>
+              <a:t>6/1/2015</a:t>
             </a:fld>
             <a:endParaRPr lang="en-US"/>
           </a:p>
@@ -3225,7 +3225,7 @@
           <a:p>
             <a:fld id="{621C5687-5E4B-421A-84A9-2CCA39108A9F}" type="datetimeFigureOut">
               <a:rPr lang="en-US" smtClean="0"/>
-              <a:t>5/27/2015</a:t>
+              <a:t>6/1/2015</a:t>
             </a:fld>
             <a:endParaRPr lang="en-US"/>
           </a:p>
@@ -3400,7 +3400,7 @@
           <a:p>
             <a:fld id="{621C5687-5E4B-421A-84A9-2CCA39108A9F}" type="datetimeFigureOut">
               <a:rPr lang="en-US" smtClean="0"/>
-              <a:t>5/27/2015</a:t>
+              <a:t>6/1/2015</a:t>
             </a:fld>
             <a:endParaRPr lang="en-US"/>
           </a:p>
@@ -3580,7 +3580,7 @@
           <a:p>
             <a:fld id="{621C5687-5E4B-421A-84A9-2CCA39108A9F}" type="datetimeFigureOut">
               <a:rPr lang="en-US" smtClean="0"/>
-              <a:t>5/27/2015</a:t>
+              <a:t>6/1/2015</a:t>
             </a:fld>
             <a:endParaRPr lang="en-US"/>
           </a:p>
@@ -3750,7 +3750,7 @@
           <a:p>
             <a:fld id="{621C5687-5E4B-421A-84A9-2CCA39108A9F}" type="datetimeFigureOut">
               <a:rPr lang="en-US" smtClean="0"/>
-              <a:t>5/27/2015</a:t>
+              <a:t>6/1/2015</a:t>
             </a:fld>
             <a:endParaRPr lang="en-US"/>
           </a:p>
@@ -4009,7 +4009,7 @@
           <a:p>
             <a:fld id="{621C5687-5E4B-421A-84A9-2CCA39108A9F}" type="datetimeFigureOut">
               <a:rPr lang="en-US" smtClean="0"/>
-              <a:t>5/27/2015</a:t>
+              <a:t>6/1/2015</a:t>
             </a:fld>
             <a:endParaRPr lang="en-US"/>
           </a:p>
@@ -4301,7 +4301,7 @@
           <a:p>
             <a:fld id="{621C5687-5E4B-421A-84A9-2CCA39108A9F}" type="datetimeFigureOut">
               <a:rPr lang="en-US" smtClean="0"/>
-              <a:t>5/27/2015</a:t>
+              <a:t>6/1/2015</a:t>
             </a:fld>
             <a:endParaRPr lang="en-US"/>
           </a:p>
@@ -4731,7 +4731,7 @@
           <a:p>
             <a:fld id="{621C5687-5E4B-421A-84A9-2CCA39108A9F}" type="datetimeFigureOut">
               <a:rPr lang="en-US" smtClean="0"/>
-              <a:t>5/27/2015</a:t>
+              <a:t>6/1/2015</a:t>
             </a:fld>
             <a:endParaRPr lang="en-US"/>
           </a:p>
@@ -4855,7 +4855,7 @@
           <a:p>
             <a:fld id="{621C5687-5E4B-421A-84A9-2CCA39108A9F}" type="datetimeFigureOut">
               <a:rPr lang="en-US" smtClean="0"/>
-              <a:t>5/27/2015</a:t>
+              <a:t>6/1/2015</a:t>
             </a:fld>
             <a:endParaRPr lang="en-US"/>
           </a:p>
@@ -4950,7 +4950,7 @@
           <a:p>
             <a:fld id="{621C5687-5E4B-421A-84A9-2CCA39108A9F}" type="datetimeFigureOut">
               <a:rPr lang="en-US" smtClean="0"/>
-              <a:t>5/27/2015</a:t>
+              <a:t>6/1/2015</a:t>
             </a:fld>
             <a:endParaRPr lang="en-US"/>
           </a:p>
@@ -5233,7 +5233,7 @@
           <a:p>
             <a:fld id="{621C5687-5E4B-421A-84A9-2CCA39108A9F}" type="datetimeFigureOut">
               <a:rPr lang="en-US" smtClean="0"/>
-              <a:t>5/27/2015</a:t>
+              <a:t>6/1/2015</a:t>
             </a:fld>
             <a:endParaRPr lang="en-US"/>
           </a:p>
@@ -5524,7 +5524,7 @@
           <a:p>
             <a:fld id="{621C5687-5E4B-421A-84A9-2CCA39108A9F}" type="datetimeFigureOut">
               <a:rPr lang="en-US" smtClean="0"/>
-              <a:t>5/27/2015</a:t>
+              <a:t>6/1/2015</a:t>
             </a:fld>
             <a:endParaRPr lang="en-US"/>
           </a:p>
@@ -5755,7 +5755,7 @@
           <a:p>
             <a:fld id="{621C5687-5E4B-421A-84A9-2CCA39108A9F}" type="datetimeFigureOut">
               <a:rPr lang="en-US" smtClean="0"/>
-              <a:t>5/27/2015</a:t>
+              <a:t>6/1/2015</a:t>
             </a:fld>
             <a:endParaRPr lang="en-US"/>
           </a:p>
@@ -7763,6 +7763,87 @@
           </a:p>
         </p:txBody>
       </p:sp>
+      <p:sp>
+        <p:nvSpPr>
+          <p:cNvPr id="2" name="1 Rectángulo"/>
+          <p:cNvSpPr/>
+          <p:nvPr/>
+        </p:nvSpPr>
+        <p:spPr>
+          <a:xfrm>
+            <a:off x="689019" y="784830"/>
+            <a:ext cx="7501943" cy="369332"/>
+          </a:xfrm>
+          <a:prstGeom prst="rect">
+            <a:avLst/>
+          </a:prstGeom>
+        </p:spPr>
+        <p:txBody>
+          <a:bodyPr wrap="square">
+            <a:spAutoFit/>
+          </a:bodyPr>
+          <a:lstStyle/>
+          <a:p>
+            <a:r>
+              <a:rPr lang="en-US" b="1" dirty="0" smtClean="0">
+                <a:solidFill>
+                  <a:srgbClr val="FF0000"/>
+                </a:solidFill>
+              </a:rPr>
+              <a:t>Hector: </a:t>
+            </a:r>
+            <a:r>
+              <a:rPr lang="en-US" dirty="0" err="1"/>
+              <a:t>Muy</a:t>
+            </a:r>
+            <a:r>
+              <a:rPr lang="en-US" dirty="0"/>
+              <a:t> </a:t>
+            </a:r>
+            <a:r>
+              <a:rPr lang="en-US" dirty="0" err="1" smtClean="0"/>
+              <a:t>buena</a:t>
+            </a:r>
+            <a:r>
+              <a:rPr lang="en-US" dirty="0" smtClean="0"/>
+              <a:t> </a:t>
+            </a:r>
+            <a:r>
+              <a:rPr lang="en-US" dirty="0" err="1" smtClean="0"/>
+              <a:t>aportación</a:t>
+            </a:r>
+            <a:r>
+              <a:rPr lang="en-US" dirty="0" smtClean="0"/>
+              <a:t>, </a:t>
+            </a:r>
+            <a:r>
+              <a:rPr lang="en-US" dirty="0" err="1" smtClean="0"/>
+              <a:t>atiende</a:t>
+            </a:r>
+            <a:r>
+              <a:rPr lang="en-US" dirty="0" smtClean="0"/>
+              <a:t> </a:t>
+            </a:r>
+            <a:r>
+              <a:rPr lang="en-US" dirty="0" err="1" smtClean="0"/>
+              <a:t>varios</a:t>
+            </a:r>
+            <a:r>
+              <a:rPr lang="en-US" dirty="0" smtClean="0"/>
+              <a:t> </a:t>
+            </a:r>
+            <a:r>
+              <a:rPr lang="en-US" dirty="0" err="1" smtClean="0"/>
+              <a:t>puntos</a:t>
+            </a:r>
+            <a:r>
+              <a:rPr lang="en-US" dirty="0" smtClean="0"/>
+              <a:t> de vista.</a:t>
+            </a:r>
+            <a:endParaRPr lang="es-MX" dirty="0"/>
+          </a:p>
+        </p:txBody>
+      </p:sp>
     </p:spTree>
     <p:extLst>
       <p:ext uri="{BB962C8B-B14F-4D97-AF65-F5344CB8AC3E}">
@@ -7826,7 +7907,7 @@
     </a:clrScheme>
     <a:fontScheme name="Malla">
       <a:majorFont>
-        <a:latin typeface="Century Gothic" panose="020B0502020202020204"/>
+        <a:latin typeface="Century Gothic"/>
         <a:ea typeface=""/>
         <a:cs typeface=""/>
         <a:font script="Jpan" typeface="ＭＳ ゴシック"/>
@@ -7861,7 +7942,7 @@
         <a:font script="Geor" typeface="Sylfaen"/>
       </a:majorFont>
       <a:minorFont>
-        <a:latin typeface="Century Gothic" panose="020B0502020202020204"/>
+        <a:latin typeface="Century Gothic"/>
         <a:ea typeface=""/>
         <a:cs typeface=""/>
         <a:font script="Jpan" typeface="ＭＳ ゴシック"/>
@@ -8033,7 +8114,7 @@
   <a:extraClrSchemeLst/>
   <a:extLst>
     <a:ext uri="{05A4C25C-085E-4340-85A3-A5531E510DB2}">
-      <thm15:themeFamily xmlns:thm15="http://schemas.microsoft.com/office/thememl/2012/main" name="Mesh" id="{789EC3FE-34FD-429C-9918-760025E6C145}" vid="{B8BE45C0-8141-4D58-8C71-A009BC26FBBB}"/>
+      <thm15:themeFamily xmlns:thm15="http://schemas.microsoft.com/office/thememl/2012/main" xmlns="" name="Mesh" id="{789EC3FE-34FD-429C-9918-760025E6C145}" vid="{B8BE45C0-8141-4D58-8C71-A009BC26FBBB}"/>
     </a:ext>
   </a:extLst>
 </a:theme>
@@ -8082,7 +8163,7 @@
     </a:clrScheme>
     <a:fontScheme name="Office">
       <a:majorFont>
-        <a:latin typeface="Calibri Light" panose="020F0302020204030204"/>
+        <a:latin typeface="Calibri Light"/>
         <a:ea typeface=""/>
         <a:cs typeface=""/>
         <a:font script="Jpan" typeface="ＭＳ Ｐゴシック"/>
@@ -8117,7 +8198,7 @@
         <a:font script="Geor" typeface="Sylfaen"/>
       </a:majorFont>
       <a:minorFont>
-        <a:latin typeface="Calibri" panose="020F0502020204030204"/>
+        <a:latin typeface="Calibri"/>
         <a:ea typeface=""/>
         <a:cs typeface=""/>
         <a:font script="Jpan" typeface="ＭＳ Ｐゴシック"/>
@@ -8294,7 +8375,7 @@
   <a:extraClrSchemeLst/>
   <a:extLst>
     <a:ext uri="{05A4C25C-085E-4340-85A3-A5531E510DB2}">
-      <thm15:themeFamily xmlns:thm15="http://schemas.microsoft.com/office/thememl/2012/main" name="Office Theme" id="{62F939B6-93AF-4DB8-9C6B-D6C7DFDC589F}" vid="{4A3C46E8-61CC-4603-A589-7422A47A8E4A}"/>
+      <thm15:themeFamily xmlns:thm15="http://schemas.microsoft.com/office/thememl/2012/main" xmlns="" name="Office Theme" id="{62F939B6-93AF-4DB8-9C6B-D6C7DFDC589F}" vid="{4A3C46E8-61CC-4603-A589-7422A47A8E4A}"/>
     </a:ext>
   </a:extLst>
 </a:theme>
@@ -8343,7 +8424,7 @@
     </a:clrScheme>
     <a:fontScheme name="Office">
       <a:majorFont>
-        <a:latin typeface="Calibri Light" panose="020F0302020204030204"/>
+        <a:latin typeface="Calibri Light"/>
         <a:ea typeface=""/>
         <a:cs typeface=""/>
         <a:font script="Jpan" typeface="ＭＳ Ｐゴシック"/>
@@ -8378,7 +8459,7 @@
         <a:font script="Geor" typeface="Sylfaen"/>
       </a:majorFont>
       <a:minorFont>
-        <a:latin typeface="Calibri" panose="020F0502020204030204"/>
+        <a:latin typeface="Calibri"/>
         <a:ea typeface=""/>
         <a:cs typeface=""/>
         <a:font script="Jpan" typeface="ＭＳ Ｐゴシック"/>
@@ -8555,7 +8636,7 @@
   <a:extraClrSchemeLst/>
   <a:extLst>
     <a:ext uri="{05A4C25C-085E-4340-85A3-A5531E510DB2}">
-      <thm15:themeFamily xmlns:thm15="http://schemas.microsoft.com/office/thememl/2012/main" name="Office Theme" id="{62F939B6-93AF-4DB8-9C6B-D6C7DFDC589F}" vid="{4A3C46E8-61CC-4603-A589-7422A47A8E4A}"/>
+      <thm15:themeFamily xmlns:thm15="http://schemas.microsoft.com/office/thememl/2012/main" xmlns="" name="Office Theme" id="{62F939B6-93AF-4DB8-9C6B-D6C7DFDC589F}" vid="{4A3C46E8-61CC-4603-A589-7422A47A8E4A}"/>
     </a:ext>
   </a:extLst>
 </a:theme>
